--- a/All_sorts_of_sort.pptx
+++ b/All_sorts_of_sort.pptx
@@ -11,8 +11,12 @@
     <p:sldId id="259" r:id="rId5"/>
     <p:sldId id="261" r:id="rId6"/>
     <p:sldId id="260" r:id="rId7"/>
-    <p:sldId id="262" r:id="rId8"/>
-    <p:sldId id="263" r:id="rId9"/>
+    <p:sldId id="264" r:id="rId8"/>
+    <p:sldId id="265" r:id="rId9"/>
+    <p:sldId id="266" r:id="rId10"/>
+    <p:sldId id="267" r:id="rId11"/>
+    <p:sldId id="262" r:id="rId12"/>
+    <p:sldId id="263" r:id="rId13"/>
   </p:sldIdLst>
   <p:sldSz cx="9144000" cy="6858000" type="screen4x3"/>
   <p:notesSz cx="6858000" cy="9144000"/>
@@ -295,7 +299,7 @@
           <a:p>
             <a:fld id="{9789F9E2-E44C-4797-9B8C-BEF915A758C1}" type="datetimeFigureOut">
               <a:rPr lang="en-US" smtClean="0"/>
-              <a:t>12/12/2012</a:t>
+              <a:t>12/13/2012</a:t>
             </a:fld>
             <a:endParaRPr lang="en-US"/>
           </a:p>
@@ -465,7 +469,7 @@
           <a:p>
             <a:fld id="{9789F9E2-E44C-4797-9B8C-BEF915A758C1}" type="datetimeFigureOut">
               <a:rPr lang="en-US" smtClean="0"/>
-              <a:t>12/12/2012</a:t>
+              <a:t>12/13/2012</a:t>
             </a:fld>
             <a:endParaRPr lang="en-US"/>
           </a:p>
@@ -645,7 +649,7 @@
           <a:p>
             <a:fld id="{9789F9E2-E44C-4797-9B8C-BEF915A758C1}" type="datetimeFigureOut">
               <a:rPr lang="en-US" smtClean="0"/>
-              <a:t>12/12/2012</a:t>
+              <a:t>12/13/2012</a:t>
             </a:fld>
             <a:endParaRPr lang="en-US"/>
           </a:p>
@@ -815,7 +819,7 @@
           <a:p>
             <a:fld id="{9789F9E2-E44C-4797-9B8C-BEF915A758C1}" type="datetimeFigureOut">
               <a:rPr lang="en-US" smtClean="0"/>
-              <a:t>12/12/2012</a:t>
+              <a:t>12/13/2012</a:t>
             </a:fld>
             <a:endParaRPr lang="en-US"/>
           </a:p>
@@ -1061,7 +1065,7 @@
           <a:p>
             <a:fld id="{9789F9E2-E44C-4797-9B8C-BEF915A758C1}" type="datetimeFigureOut">
               <a:rPr lang="en-US" smtClean="0"/>
-              <a:t>12/12/2012</a:t>
+              <a:t>12/13/2012</a:t>
             </a:fld>
             <a:endParaRPr lang="en-US"/>
           </a:p>
@@ -1349,7 +1353,7 @@
           <a:p>
             <a:fld id="{9789F9E2-E44C-4797-9B8C-BEF915A758C1}" type="datetimeFigureOut">
               <a:rPr lang="en-US" smtClean="0"/>
-              <a:t>12/12/2012</a:t>
+              <a:t>12/13/2012</a:t>
             </a:fld>
             <a:endParaRPr lang="en-US"/>
           </a:p>
@@ -1771,7 +1775,7 @@
           <a:p>
             <a:fld id="{9789F9E2-E44C-4797-9B8C-BEF915A758C1}" type="datetimeFigureOut">
               <a:rPr lang="en-US" smtClean="0"/>
-              <a:t>12/12/2012</a:t>
+              <a:t>12/13/2012</a:t>
             </a:fld>
             <a:endParaRPr lang="en-US"/>
           </a:p>
@@ -1889,7 +1893,7 @@
           <a:p>
             <a:fld id="{9789F9E2-E44C-4797-9B8C-BEF915A758C1}" type="datetimeFigureOut">
               <a:rPr lang="en-US" smtClean="0"/>
-              <a:t>12/12/2012</a:t>
+              <a:t>12/13/2012</a:t>
             </a:fld>
             <a:endParaRPr lang="en-US"/>
           </a:p>
@@ -1984,7 +1988,7 @@
           <a:p>
             <a:fld id="{9789F9E2-E44C-4797-9B8C-BEF915A758C1}" type="datetimeFigureOut">
               <a:rPr lang="en-US" smtClean="0"/>
-              <a:t>12/12/2012</a:t>
+              <a:t>12/13/2012</a:t>
             </a:fld>
             <a:endParaRPr lang="en-US"/>
           </a:p>
@@ -2261,7 +2265,7 @@
           <a:p>
             <a:fld id="{9789F9E2-E44C-4797-9B8C-BEF915A758C1}" type="datetimeFigureOut">
               <a:rPr lang="en-US" smtClean="0"/>
-              <a:t>12/12/2012</a:t>
+              <a:t>12/13/2012</a:t>
             </a:fld>
             <a:endParaRPr lang="en-US"/>
           </a:p>
@@ -2514,7 +2518,7 @@
           <a:p>
             <a:fld id="{9789F9E2-E44C-4797-9B8C-BEF915A758C1}" type="datetimeFigureOut">
               <a:rPr lang="en-US" smtClean="0"/>
-              <a:t>12/12/2012</a:t>
+              <a:t>12/13/2012</a:t>
             </a:fld>
             <a:endParaRPr lang="en-US"/>
           </a:p>
@@ -2727,7 +2731,7 @@
           <a:p>
             <a:fld id="{9789F9E2-E44C-4797-9B8C-BEF915A758C1}" type="datetimeFigureOut">
               <a:rPr lang="en-US" smtClean="0"/>
-              <a:t>12/12/2012</a:t>
+              <a:t>12/13/2012</a:t>
             </a:fld>
             <a:endParaRPr lang="en-US"/>
           </a:p>
@@ -3173,6 +3177,222 @@
 </p:sld>
 </file>
 
+<file path=ppt/slides/slide10.xml><?xml version="1.0" encoding="utf-8"?>
+<p:sld xmlns:a="http://schemas.openxmlformats.org/drawingml/2006/main" xmlns:r="http://schemas.openxmlformats.org/officeDocument/2006/relationships" xmlns:p="http://schemas.openxmlformats.org/presentationml/2006/main">
+  <p:cSld>
+    <p:spTree>
+      <p:nvGrpSpPr>
+        <p:cNvPr id="1" name=""/>
+        <p:cNvGrpSpPr/>
+        <p:nvPr/>
+      </p:nvGrpSpPr>
+      <p:grpSpPr>
+        <a:xfrm>
+          <a:off x="0" y="0"/>
+          <a:ext cx="0" cy="0"/>
+          <a:chOff x="0" y="0"/>
+          <a:chExt cx="0" cy="0"/>
+        </a:xfrm>
+      </p:grpSpPr>
+      <p:sp>
+        <p:nvSpPr>
+          <p:cNvPr id="2" name="Title 1"/>
+          <p:cNvSpPr>
+            <a:spLocks noGrp="1"/>
+          </p:cNvSpPr>
+          <p:nvPr>
+            <p:ph type="title"/>
+          </p:nvPr>
+        </p:nvSpPr>
+        <p:spPr/>
+        <p:txBody>
+          <a:bodyPr/>
+          <a:lstStyle/>
+          <a:p>
+            <a:r>
+              <a:rPr lang="en-US" dirty="0" smtClean="0"/>
+              <a:t>Verilog</a:t>
+            </a:r>
+            <a:endParaRPr lang="en-US" dirty="0"/>
+          </a:p>
+        </p:txBody>
+      </p:sp>
+      <p:sp>
+        <p:nvSpPr>
+          <p:cNvPr id="3" name="Content Placeholder 2"/>
+          <p:cNvSpPr>
+            <a:spLocks noGrp="1"/>
+          </p:cNvSpPr>
+          <p:nvPr>
+            <p:ph idx="1"/>
+          </p:nvPr>
+        </p:nvSpPr>
+        <p:spPr/>
+        <p:txBody>
+          <a:bodyPr/>
+          <a:lstStyle/>
+          <a:p>
+            <a:endParaRPr lang="en-US"/>
+          </a:p>
+        </p:txBody>
+      </p:sp>
+    </p:spTree>
+    <p:extLst>
+      <p:ext uri="{BB962C8B-B14F-4D97-AF65-F5344CB8AC3E}">
+        <p14:creationId xmlns:p14="http://schemas.microsoft.com/office/powerpoint/2010/main" val="2316133447"/>
+      </p:ext>
+    </p:extLst>
+  </p:cSld>
+  <p:clrMapOvr>
+    <a:masterClrMapping/>
+  </p:clrMapOvr>
+</p:sld>
+</file>
+
+<file path=ppt/slides/slide11.xml><?xml version="1.0" encoding="utf-8"?>
+<p:sld xmlns:a="http://schemas.openxmlformats.org/drawingml/2006/main" xmlns:r="http://schemas.openxmlformats.org/officeDocument/2006/relationships" xmlns:p="http://schemas.openxmlformats.org/presentationml/2006/main">
+  <p:cSld>
+    <p:spTree>
+      <p:nvGrpSpPr>
+        <p:cNvPr id="1" name=""/>
+        <p:cNvGrpSpPr/>
+        <p:nvPr/>
+      </p:nvGrpSpPr>
+      <p:grpSpPr>
+        <a:xfrm>
+          <a:off x="0" y="0"/>
+          <a:ext cx="0" cy="0"/>
+          <a:chOff x="0" y="0"/>
+          <a:chExt cx="0" cy="0"/>
+        </a:xfrm>
+      </p:grpSpPr>
+      <p:sp>
+        <p:nvSpPr>
+          <p:cNvPr id="2" name="Title 1"/>
+          <p:cNvSpPr>
+            <a:spLocks noGrp="1"/>
+          </p:cNvSpPr>
+          <p:nvPr>
+            <p:ph type="title"/>
+          </p:nvPr>
+        </p:nvSpPr>
+        <p:spPr/>
+        <p:txBody>
+          <a:bodyPr/>
+          <a:lstStyle/>
+          <a:p>
+            <a:r>
+              <a:rPr lang="en-US" dirty="0" smtClean="0"/>
+              <a:t>Results</a:t>
+            </a:r>
+            <a:endParaRPr lang="en-US" dirty="0"/>
+          </a:p>
+        </p:txBody>
+      </p:sp>
+      <p:sp>
+        <p:nvSpPr>
+          <p:cNvPr id="3" name="Content Placeholder 2"/>
+          <p:cNvSpPr>
+            <a:spLocks noGrp="1"/>
+          </p:cNvSpPr>
+          <p:nvPr>
+            <p:ph idx="1"/>
+          </p:nvPr>
+        </p:nvSpPr>
+        <p:spPr/>
+        <p:txBody>
+          <a:bodyPr/>
+          <a:lstStyle/>
+          <a:p>
+            <a:endParaRPr lang="en-US"/>
+          </a:p>
+        </p:txBody>
+      </p:sp>
+    </p:spTree>
+    <p:extLst>
+      <p:ext uri="{BB962C8B-B14F-4D97-AF65-F5344CB8AC3E}">
+        <p14:creationId xmlns:p14="http://schemas.microsoft.com/office/powerpoint/2010/main" val="4016039874"/>
+      </p:ext>
+    </p:extLst>
+  </p:cSld>
+  <p:clrMapOvr>
+    <a:masterClrMapping/>
+  </p:clrMapOvr>
+</p:sld>
+</file>
+
+<file path=ppt/slides/slide12.xml><?xml version="1.0" encoding="utf-8"?>
+<p:sld xmlns:a="http://schemas.openxmlformats.org/drawingml/2006/main" xmlns:r="http://schemas.openxmlformats.org/officeDocument/2006/relationships" xmlns:p="http://schemas.openxmlformats.org/presentationml/2006/main">
+  <p:cSld>
+    <p:spTree>
+      <p:nvGrpSpPr>
+        <p:cNvPr id="1" name=""/>
+        <p:cNvGrpSpPr/>
+        <p:nvPr/>
+      </p:nvGrpSpPr>
+      <p:grpSpPr>
+        <a:xfrm>
+          <a:off x="0" y="0"/>
+          <a:ext cx="0" cy="0"/>
+          <a:chOff x="0" y="0"/>
+          <a:chExt cx="0" cy="0"/>
+        </a:xfrm>
+      </p:grpSpPr>
+      <p:sp>
+        <p:nvSpPr>
+          <p:cNvPr id="2" name="Title 1"/>
+          <p:cNvSpPr>
+            <a:spLocks noGrp="1"/>
+          </p:cNvSpPr>
+          <p:nvPr>
+            <p:ph type="title"/>
+          </p:nvPr>
+        </p:nvSpPr>
+        <p:spPr/>
+        <p:txBody>
+          <a:bodyPr/>
+          <a:lstStyle/>
+          <a:p>
+            <a:r>
+              <a:rPr lang="en-US" dirty="0" smtClean="0"/>
+              <a:t>References</a:t>
+            </a:r>
+            <a:endParaRPr lang="en-US" dirty="0"/>
+          </a:p>
+        </p:txBody>
+      </p:sp>
+      <p:sp>
+        <p:nvSpPr>
+          <p:cNvPr id="3" name="Content Placeholder 2"/>
+          <p:cNvSpPr>
+            <a:spLocks noGrp="1"/>
+          </p:cNvSpPr>
+          <p:nvPr>
+            <p:ph idx="1"/>
+          </p:nvPr>
+        </p:nvSpPr>
+        <p:spPr/>
+        <p:txBody>
+          <a:bodyPr/>
+          <a:lstStyle/>
+          <a:p>
+            <a:endParaRPr lang="en-US"/>
+          </a:p>
+        </p:txBody>
+      </p:sp>
+    </p:spTree>
+    <p:extLst>
+      <p:ext uri="{BB962C8B-B14F-4D97-AF65-F5344CB8AC3E}">
+        <p14:creationId xmlns:p14="http://schemas.microsoft.com/office/powerpoint/2010/main" val="472400708"/>
+      </p:ext>
+    </p:extLst>
+  </p:cSld>
+  <p:clrMapOvr>
+    <a:masterClrMapping/>
+  </p:clrMapOvr>
+</p:sld>
+</file>
+
 <file path=ppt/slides/slide2.xml><?xml version="1.0" encoding="utf-8"?>
 <p:sld xmlns:a="http://schemas.openxmlformats.org/drawingml/2006/main" xmlns:r="http://schemas.openxmlformats.org/officeDocument/2006/relationships" xmlns:p="http://schemas.openxmlformats.org/presentationml/2006/main">
   <p:cSld>
@@ -3567,7 +3787,7 @@
           <a:p>
             <a:r>
               <a:rPr lang="en-US" dirty="0" smtClean="0"/>
-              <a:t>Results</a:t>
+              <a:t>Merge Sort</a:t>
             </a:r>
             <a:endParaRPr lang="en-US" dirty="0"/>
           </a:p>
@@ -3595,7 +3815,7 @@
     </p:spTree>
     <p:extLst>
       <p:ext uri="{BB962C8B-B14F-4D97-AF65-F5344CB8AC3E}">
-        <p14:creationId xmlns:p14="http://schemas.microsoft.com/office/powerpoint/2010/main" val="4016039874"/>
+        <p14:creationId xmlns:p14="http://schemas.microsoft.com/office/powerpoint/2010/main" val="2465939511"/>
       </p:ext>
     </p:extLst>
   </p:cSld>
@@ -3634,12 +3854,14 @@
         </p:nvSpPr>
         <p:spPr/>
         <p:txBody>
-          <a:bodyPr/>
+          <a:bodyPr>
+            <a:normAutofit/>
+          </a:bodyPr>
           <a:lstStyle/>
           <a:p>
             <a:r>
               <a:rPr lang="en-US" dirty="0" smtClean="0"/>
-              <a:t>References</a:t>
+              <a:t>Caching and sorts</a:t>
             </a:r>
             <a:endParaRPr lang="en-US" dirty="0"/>
           </a:p>
@@ -3667,7 +3889,79 @@
     </p:spTree>
     <p:extLst>
       <p:ext uri="{BB962C8B-B14F-4D97-AF65-F5344CB8AC3E}">
-        <p14:creationId xmlns:p14="http://schemas.microsoft.com/office/powerpoint/2010/main" val="472400708"/>
+        <p14:creationId xmlns:p14="http://schemas.microsoft.com/office/powerpoint/2010/main" val="1270872035"/>
+      </p:ext>
+    </p:extLst>
+  </p:cSld>
+  <p:clrMapOvr>
+    <a:masterClrMapping/>
+  </p:clrMapOvr>
+</p:sld>
+</file>
+
+<file path=ppt/slides/slide9.xml><?xml version="1.0" encoding="utf-8"?>
+<p:sld xmlns:a="http://schemas.openxmlformats.org/drawingml/2006/main" xmlns:r="http://schemas.openxmlformats.org/officeDocument/2006/relationships" xmlns:p="http://schemas.openxmlformats.org/presentationml/2006/main">
+  <p:cSld>
+    <p:spTree>
+      <p:nvGrpSpPr>
+        <p:cNvPr id="1" name=""/>
+        <p:cNvGrpSpPr/>
+        <p:nvPr/>
+      </p:nvGrpSpPr>
+      <p:grpSpPr>
+        <a:xfrm>
+          <a:off x="0" y="0"/>
+          <a:ext cx="0" cy="0"/>
+          <a:chOff x="0" y="0"/>
+          <a:chExt cx="0" cy="0"/>
+        </a:xfrm>
+      </p:grpSpPr>
+      <p:sp>
+        <p:nvSpPr>
+          <p:cNvPr id="2" name="Title 1"/>
+          <p:cNvSpPr>
+            <a:spLocks noGrp="1"/>
+          </p:cNvSpPr>
+          <p:nvPr>
+            <p:ph type="title"/>
+          </p:nvPr>
+        </p:nvSpPr>
+        <p:spPr/>
+        <p:txBody>
+          <a:bodyPr/>
+          <a:lstStyle/>
+          <a:p>
+            <a:r>
+              <a:rPr lang="en-US" dirty="0" smtClean="0"/>
+              <a:t>Assembly</a:t>
+            </a:r>
+            <a:endParaRPr lang="en-US" dirty="0"/>
+          </a:p>
+        </p:txBody>
+      </p:sp>
+      <p:sp>
+        <p:nvSpPr>
+          <p:cNvPr id="3" name="Content Placeholder 2"/>
+          <p:cNvSpPr>
+            <a:spLocks noGrp="1"/>
+          </p:cNvSpPr>
+          <p:nvPr>
+            <p:ph idx="1"/>
+          </p:nvPr>
+        </p:nvSpPr>
+        <p:spPr/>
+        <p:txBody>
+          <a:bodyPr/>
+          <a:lstStyle/>
+          <a:p>
+            <a:endParaRPr lang="en-US"/>
+          </a:p>
+        </p:txBody>
+      </p:sp>
+    </p:spTree>
+    <p:extLst>
+      <p:ext uri="{BB962C8B-B14F-4D97-AF65-F5344CB8AC3E}">
+        <p14:creationId xmlns:p14="http://schemas.microsoft.com/office/powerpoint/2010/main" val="1919543166"/>
       </p:ext>
     </p:extLst>
   </p:cSld>

--- a/All_sorts_of_sort.pptx
+++ b/All_sorts_of_sort.pptx
@@ -3448,7 +3448,50 @@
           <a:bodyPr/>
           <a:lstStyle/>
           <a:p>
-            <a:endParaRPr lang="en-US" dirty="0"/>
+            <a:r>
+              <a:rPr lang="en-US" dirty="0" smtClean="0"/>
+              <a:t>We implemented sorting algorithms in:</a:t>
+            </a:r>
+          </a:p>
+          <a:p>
+            <a:pPr lvl="1">
+              <a:buFont typeface="Arial" pitchFamily="34" charset="0"/>
+              <a:buChar char="•"/>
+            </a:pPr>
+            <a:r>
+              <a:rPr lang="en-US" dirty="0" smtClean="0"/>
+              <a:t>Assembly</a:t>
+            </a:r>
+          </a:p>
+          <a:p>
+            <a:pPr lvl="1">
+              <a:buFont typeface="Arial" pitchFamily="34" charset="0"/>
+              <a:buChar char="•"/>
+            </a:pPr>
+            <a:r>
+              <a:rPr lang="en-US" dirty="0" smtClean="0"/>
+              <a:t>Verilog</a:t>
+            </a:r>
+          </a:p>
+          <a:p>
+            <a:pPr lvl="1">
+              <a:buFont typeface="Arial" pitchFamily="34" charset="0"/>
+              <a:buChar char="•"/>
+            </a:pPr>
+            <a:r>
+              <a:rPr lang="en-US" dirty="0" smtClean="0"/>
+              <a:t>Python</a:t>
+            </a:r>
+          </a:p>
+          <a:p>
+            <a:pPr lvl="1">
+              <a:buFont typeface="Arial" pitchFamily="34" charset="0"/>
+              <a:buChar char="•"/>
+            </a:pPr>
+            <a:r>
+              <a:rPr lang="en-US" dirty="0"/>
+              <a:t>C</a:t>
+            </a:r>
           </a:p>
         </p:txBody>
       </p:sp>
@@ -3517,10 +3560,44 @@
         </p:nvSpPr>
         <p:spPr/>
         <p:txBody>
-          <a:bodyPr/>
-          <a:lstStyle/>
-          <a:p>
-            <a:endParaRPr lang="en-US"/>
+          <a:bodyPr>
+            <a:normAutofit/>
+          </a:bodyPr>
+          <a:lstStyle/>
+          <a:p>
+            <a:r>
+              <a:rPr lang="en-US" dirty="0" smtClean="0"/>
+              <a:t>Takes </a:t>
+            </a:r>
+            <a:r>
+              <a:rPr lang="en-US" dirty="0"/>
+              <a:t>O(n log(n)) </a:t>
+            </a:r>
+            <a:r>
+              <a:rPr lang="en-US" dirty="0" smtClean="0"/>
+              <a:t>time</a:t>
+            </a:r>
+          </a:p>
+          <a:p>
+            <a:r>
+              <a:rPr lang="en-US" dirty="0" smtClean="0"/>
+              <a:t>Picks </a:t>
+            </a:r>
+            <a:r>
+              <a:rPr lang="en-US" dirty="0"/>
+              <a:t>a “pivot” from the list, and partitions the list into things bigger and smaller than the pivot. </a:t>
+            </a:r>
+            <a:endParaRPr lang="en-US" dirty="0" smtClean="0"/>
+          </a:p>
+          <a:p>
+            <a:r>
+              <a:rPr lang="en-US" dirty="0" smtClean="0"/>
+              <a:t>The </a:t>
+            </a:r>
+            <a:r>
+              <a:rPr lang="en-US" dirty="0"/>
+              <a:t>bigger and smaller lists are both sorted. </a:t>
+            </a:r>
           </a:p>
         </p:txBody>
       </p:sp>
@@ -3589,10 +3666,128 @@
         </p:nvSpPr>
         <p:spPr/>
         <p:txBody>
-          <a:bodyPr/>
-          <a:lstStyle/>
-          <a:p>
-            <a:endParaRPr lang="en-US"/>
+          <a:bodyPr>
+            <a:normAutofit lnSpcReduction="10000"/>
+          </a:bodyPr>
+          <a:lstStyle/>
+          <a:p>
+            <a:r>
+              <a:rPr lang="en-US" dirty="0" smtClean="0"/>
+              <a:t>Human </a:t>
+            </a:r>
+            <a:r>
+              <a:rPr lang="en-US" dirty="0" err="1" smtClean="0"/>
+              <a:t>psedo</a:t>
+            </a:r>
+            <a:r>
+              <a:rPr lang="en-US" dirty="0" smtClean="0"/>
+              <a:t> - code</a:t>
+            </a:r>
+            <a:r>
+              <a:rPr lang="en-US" dirty="0" smtClean="0"/>
+              <a:t>:</a:t>
+            </a:r>
+            <a:endParaRPr lang="en-US" dirty="0" smtClean="0"/>
+          </a:p>
+          <a:p>
+            <a:pPr marL="0" indent="0">
+              <a:buNone/>
+            </a:pPr>
+            <a:r>
+              <a:rPr lang="en-US" sz="2800" dirty="0" smtClean="0"/>
+              <a:t>Loop until it is sorted </a:t>
+            </a:r>
+            <a:endParaRPr lang="en-US" sz="2800" dirty="0" smtClean="0"/>
+          </a:p>
+          <a:p>
+            <a:pPr marL="0" indent="0">
+              <a:buNone/>
+            </a:pPr>
+            <a:r>
+              <a:rPr lang="en-US" sz="2800" dirty="0"/>
+              <a:t>{</a:t>
+            </a:r>
+            <a:endParaRPr lang="en-US" sz="2800" dirty="0" smtClean="0"/>
+          </a:p>
+          <a:p>
+            <a:pPr marL="0" indent="0">
+              <a:buNone/>
+            </a:pPr>
+            <a:r>
+              <a:rPr lang="en-US" sz="2800" dirty="0" smtClean="0"/>
+              <a:t>	Loop through </a:t>
+            </a:r>
+            <a:r>
+              <a:rPr lang="en-US" sz="2800" dirty="0" smtClean="0"/>
+              <a:t>list</a:t>
+            </a:r>
+          </a:p>
+          <a:p>
+            <a:pPr marL="0" indent="0">
+              <a:buNone/>
+            </a:pPr>
+            <a:r>
+              <a:rPr lang="en-US" sz="2800" dirty="0"/>
+              <a:t>	</a:t>
+            </a:r>
+            <a:r>
+              <a:rPr lang="en-US" sz="2800" dirty="0" smtClean="0"/>
+              <a:t>{</a:t>
+            </a:r>
+            <a:endParaRPr lang="en-US" sz="2800" dirty="0" smtClean="0"/>
+          </a:p>
+          <a:p>
+            <a:pPr marL="0" indent="0">
+              <a:buNone/>
+            </a:pPr>
+            <a:r>
+              <a:rPr lang="en-US" sz="2800" dirty="0" smtClean="0"/>
+              <a:t>		If list [next one] &lt; list [current one]</a:t>
+            </a:r>
+          </a:p>
+          <a:p>
+            <a:pPr marL="0" indent="0">
+              <a:buNone/>
+            </a:pPr>
+            <a:r>
+              <a:rPr lang="en-US" sz="2800" dirty="0" smtClean="0"/>
+              <a:t>		</a:t>
+            </a:r>
+            <a:r>
+              <a:rPr lang="en-US" sz="2800" dirty="0" smtClean="0"/>
+              <a:t>{swap </a:t>
+            </a:r>
+            <a:r>
+              <a:rPr lang="en-US" sz="2800" dirty="0" smtClean="0"/>
+              <a:t>list[next one] with list[current one</a:t>
+            </a:r>
+            <a:r>
+              <a:rPr lang="en-US" sz="2800" dirty="0" smtClean="0"/>
+              <a:t>]} </a:t>
+            </a:r>
+          </a:p>
+          <a:p>
+            <a:pPr marL="0" indent="0">
+              <a:buNone/>
+            </a:pPr>
+            <a:r>
+              <a:rPr lang="en-US" sz="2800" dirty="0"/>
+              <a:t>	</a:t>
+            </a:r>
+            <a:r>
+              <a:rPr lang="en-US" sz="2800" dirty="0" smtClean="0"/>
+              <a:t>}</a:t>
+            </a:r>
+          </a:p>
+          <a:p>
+            <a:pPr marL="0" indent="0">
+              <a:buNone/>
+            </a:pPr>
+            <a:r>
+              <a:rPr lang="en-US" sz="2800" dirty="0"/>
+              <a:t>}</a:t>
+            </a:r>
+            <a:endParaRPr lang="en-US" sz="2800" dirty="0"/>
           </a:p>
         </p:txBody>
       </p:sp>
@@ -3664,10 +3859,73 @@
           <a:bodyPr/>
           <a:lstStyle/>
           <a:p>
-            <a:endParaRPr lang="en-US"/>
-          </a:p>
-        </p:txBody>
-      </p:sp>
+            <a:r>
+              <a:rPr lang="en-US" dirty="0"/>
+              <a:t>S</a:t>
+            </a:r>
+            <a:r>
+              <a:rPr lang="en-US" dirty="0" smtClean="0"/>
+              <a:t>orts </a:t>
+            </a:r>
+            <a:r>
+              <a:rPr lang="en-US" dirty="0"/>
+              <a:t>numbers by sorting each digit of the </a:t>
+            </a:r>
+            <a:r>
+              <a:rPr lang="en-US" dirty="0" smtClean="0"/>
+              <a:t>numbers</a:t>
+            </a:r>
+          </a:p>
+          <a:p>
+            <a:r>
+              <a:rPr lang="en-US" dirty="0" smtClean="0"/>
+              <a:t>Example:</a:t>
+            </a:r>
+            <a:endParaRPr lang="en-US" dirty="0"/>
+          </a:p>
+        </p:txBody>
+      </p:sp>
+      <p:pic>
+        <p:nvPicPr>
+          <p:cNvPr id="1026" name="Picture 2" descr="C:\Users\amingchang\Pictures\12.JPG"/>
+          <p:cNvPicPr>
+            <a:picLocks noChangeAspect="1" noChangeArrowheads="1"/>
+          </p:cNvPicPr>
+          <p:nvPr/>
+        </p:nvPicPr>
+        <p:blipFill>
+          <a:blip r:embed="rId2">
+            <a:extLst>
+              <a:ext uri="{28A0092B-C50C-407E-A947-70E740481C1C}">
+                <a14:useLocalDpi xmlns:a14="http://schemas.microsoft.com/office/drawing/2010/main" val="0"/>
+              </a:ext>
+            </a:extLst>
+          </a:blip>
+          <a:srcRect/>
+          <a:stretch>
+            <a:fillRect/>
+          </a:stretch>
+        </p:blipFill>
+        <p:spPr bwMode="auto">
+          <a:xfrm>
+            <a:off x="1504156" y="3886200"/>
+            <a:ext cx="6056312" cy="2076903"/>
+          </a:xfrm>
+          <a:prstGeom prst="rect">
+            <a:avLst/>
+          </a:prstGeom>
+          <a:noFill/>
+          <a:extLst>
+            <a:ext uri="{909E8E84-426E-40DD-AFC4-6F175D3DCCD1}">
+              <a14:hiddenFill xmlns:a14="http://schemas.microsoft.com/office/drawing/2010/main">
+                <a:solidFill>
+                  <a:srgbClr val="FFFFFF"/>
+                </a:solidFill>
+              </a14:hiddenFill>
+            </a:ext>
+          </a:extLst>
+        </p:spPr>
+      </p:pic>
     </p:spTree>
     <p:extLst>
       <p:ext uri="{BB962C8B-B14F-4D97-AF65-F5344CB8AC3E}">
